--- a/FundamentosIA_2025_c1_dia4.pptx
+++ b/FundamentosIA_2025_c1_dia4.pptx
@@ -45,7 +45,7 @@
     <p:sldId id="329" r:id="rId36"/>
     <p:sldId id="330" r:id="rId37"/>
     <p:sldId id="311" r:id="rId38"/>
-    <p:sldId id="333" r:id="rId39"/>
+    <p:sldId id="368" r:id="rId39"/>
     <p:sldId id="331" r:id="rId40"/>
     <p:sldId id="351" r:id="rId41"/>
     <p:sldId id="312" r:id="rId42"/>
@@ -28139,7 +28139,13 @@
   <p:cSld>
     <p:spTree>
       <p:nvGrpSpPr>
-        <p:cNvPr id="1" name=""/>
+        <p:cNvPr id="1" name="">
+          <a:extLst>
+            <a:ext uri="{FF2B5EF4-FFF2-40B4-BE49-F238E27FC236}">
+              <a16:creationId xmlns:a16="http://schemas.microsoft.com/office/drawing/2014/main" id="{E3C1C9C5-DCB1-285B-7056-8FED3C7AAE2C}"/>
+            </a:ext>
+          </a:extLst>
+        </p:cNvPr>
         <p:cNvGrpSpPr/>
         <p:nvPr/>
       </p:nvGrpSpPr>
@@ -28153,960 +28159,13 @@
       </p:grpSpPr>
       <p:sp>
         <p:nvSpPr>
-          <p:cNvPr id="694" name="CustomShape 1"/>
-          <p:cNvSpPr/>
-          <p:nvPr/>
-        </p:nvSpPr>
-        <p:spPr>
-          <a:xfrm>
-            <a:off x="502920" y="1184040"/>
-            <a:ext cx="9062640" cy="4362310"/>
-          </a:xfrm>
-          <a:prstGeom prst="rect">
-            <a:avLst/>
-          </a:prstGeom>
-          <a:noFill/>
-          <a:ln>
-            <a:noFill/>
-          </a:ln>
-        </p:spPr>
-        <p:style>
-          <a:lnRef idx="0">
-            <a:scrgbClr r="0" g="0" b="0"/>
-          </a:lnRef>
-          <a:fillRef idx="0">
-            <a:scrgbClr r="0" g="0" b="0"/>
-          </a:fillRef>
-          <a:effectRef idx="0">
-            <a:scrgbClr r="0" g="0" b="0"/>
-          </a:effectRef>
-          <a:fontRef idx="minor"/>
-        </p:style>
-        <p:txBody>
-          <a:bodyPr lIns="0" tIns="0" rIns="0" bIns="0">
-            <a:normAutofit fontScale="91000" lnSpcReduction="10000"/>
-          </a:bodyPr>
-          <a:lstStyle/>
-          <a:p>
-            <a:pPr marL="432000" indent="-317520">
-              <a:lnSpc>
-                <a:spcPct val="100000"/>
-              </a:lnSpc>
-              <a:spcBef>
-                <a:spcPts val="1417"/>
-              </a:spcBef>
-              <a:buClr>
-                <a:srgbClr val="0098CD"/>
-              </a:buClr>
-              <a:buFont typeface="Wingdings" charset="2"/>
-              <a:buChar char=""/>
-              <a:tabLst>
-                <a:tab pos="0" algn="l"/>
-              </a:tabLst>
-            </a:pPr>
-            <a:r>
-              <a:rPr lang="es-ES" sz="2200" b="0" strike="noStrike" spc="-1" dirty="0">
-                <a:solidFill>
-                  <a:srgbClr val="000000"/>
-                </a:solidFill>
-                <a:latin typeface="Arial"/>
-                <a:ea typeface="DejaVu Sans"/>
-              </a:rPr>
-              <a:t>Imágenes.</a:t>
-            </a:r>
-            <a:endParaRPr lang="es-ES" sz="2200" b="0" strike="noStrike" spc="-1" dirty="0">
-              <a:latin typeface="Arial"/>
-            </a:endParaRPr>
-          </a:p>
-          <a:p>
-            <a:pPr marL="432000" lvl="1" indent="-215280">
-              <a:lnSpc>
-                <a:spcPct val="100000"/>
-              </a:lnSpc>
-              <a:spcBef>
-                <a:spcPts val="1417"/>
-              </a:spcBef>
-              <a:buClr>
-                <a:srgbClr val="000000"/>
-              </a:buClr>
-              <a:buSzPct val="45000"/>
-              <a:buFont typeface="Wingdings" charset="2"/>
-              <a:buChar char=""/>
-              <a:tabLst>
-                <a:tab pos="0" algn="l"/>
-              </a:tabLst>
-            </a:pPr>
-            <a:r>
-              <a:rPr lang="es-ES" sz="1800" b="0" strike="noStrike" spc="-1" dirty="0" err="1">
-                <a:solidFill>
-                  <a:schemeClr val="tx1">
-                    <a:lumMod val="50000"/>
-                    <a:lumOff val="50000"/>
-                  </a:schemeClr>
-                </a:solidFill>
-                <a:latin typeface="Arial"/>
-                <a:ea typeface="DejaVu Sans"/>
-              </a:rPr>
-              <a:t>Convolutional</a:t>
-            </a:r>
-            <a:r>
-              <a:rPr lang="es-ES" sz="1800" b="0" strike="noStrike" spc="-1" dirty="0">
-                <a:solidFill>
-                  <a:schemeClr val="tx1">
-                    <a:lumMod val="50000"/>
-                    <a:lumOff val="50000"/>
-                  </a:schemeClr>
-                </a:solidFill>
-                <a:latin typeface="Arial"/>
-                <a:ea typeface="DejaVu Sans"/>
-              </a:rPr>
-              <a:t> Neural Networks (CNN). Intuición.</a:t>
-            </a:r>
-          </a:p>
-          <a:p>
-            <a:pPr marL="432000" lvl="1" indent="-215280">
-              <a:lnSpc>
-                <a:spcPct val="100000"/>
-              </a:lnSpc>
-              <a:spcBef>
-                <a:spcPts val="1417"/>
-              </a:spcBef>
-              <a:buClr>
-                <a:srgbClr val="000000"/>
-              </a:buClr>
-              <a:buSzPct val="45000"/>
-              <a:buFont typeface="Wingdings" charset="2"/>
-              <a:buChar char=""/>
-              <a:tabLst>
-                <a:tab pos="0" algn="l"/>
-              </a:tabLst>
-            </a:pPr>
-            <a:endParaRPr lang="es-ES" spc="-1" dirty="0">
-              <a:solidFill>
-                <a:schemeClr val="tx1">
-                  <a:lumMod val="50000"/>
-                  <a:lumOff val="50000"/>
-                </a:schemeClr>
-              </a:solidFill>
-              <a:latin typeface="Arial"/>
-              <a:ea typeface="DejaVu Sans"/>
-            </a:endParaRPr>
-          </a:p>
-          <a:p>
-            <a:pPr marL="432000" lvl="1" indent="-215280">
-              <a:lnSpc>
-                <a:spcPct val="100000"/>
-              </a:lnSpc>
-              <a:spcBef>
-                <a:spcPts val="1417"/>
-              </a:spcBef>
-              <a:buClr>
-                <a:srgbClr val="000000"/>
-              </a:buClr>
-              <a:buSzPct val="45000"/>
-              <a:buFont typeface="Wingdings" charset="2"/>
-              <a:buChar char=""/>
-              <a:tabLst>
-                <a:tab pos="0" algn="l"/>
-              </a:tabLst>
-            </a:pPr>
-            <a:endParaRPr lang="es-ES" sz="1800" b="0" strike="noStrike" spc="-1" dirty="0">
-              <a:solidFill>
-                <a:schemeClr val="tx1">
-                  <a:lumMod val="50000"/>
-                  <a:lumOff val="50000"/>
-                </a:schemeClr>
-              </a:solidFill>
-              <a:latin typeface="Arial"/>
-              <a:ea typeface="DejaVu Sans"/>
-            </a:endParaRPr>
-          </a:p>
-          <a:p>
-            <a:pPr marL="432000" lvl="1" indent="-215280">
-              <a:lnSpc>
-                <a:spcPct val="100000"/>
-              </a:lnSpc>
-              <a:spcBef>
-                <a:spcPts val="1417"/>
-              </a:spcBef>
-              <a:buClr>
-                <a:srgbClr val="000000"/>
-              </a:buClr>
-              <a:buSzPct val="45000"/>
-              <a:buFont typeface="Wingdings" charset="2"/>
-              <a:buChar char=""/>
-              <a:tabLst>
-                <a:tab pos="0" algn="l"/>
-              </a:tabLst>
-            </a:pPr>
-            <a:endParaRPr lang="es-ES" spc="-1" dirty="0">
-              <a:solidFill>
-                <a:schemeClr val="tx1">
-                  <a:lumMod val="50000"/>
-                  <a:lumOff val="50000"/>
-                </a:schemeClr>
-              </a:solidFill>
-              <a:latin typeface="Arial"/>
-              <a:ea typeface="DejaVu Sans"/>
-            </a:endParaRPr>
-          </a:p>
-          <a:p>
-            <a:pPr marL="432000" lvl="1" indent="-215280">
-              <a:lnSpc>
-                <a:spcPct val="100000"/>
-              </a:lnSpc>
-              <a:spcBef>
-                <a:spcPts val="1417"/>
-              </a:spcBef>
-              <a:buClr>
-                <a:srgbClr val="000000"/>
-              </a:buClr>
-              <a:buSzPct val="45000"/>
-              <a:buFont typeface="Wingdings" charset="2"/>
-              <a:buChar char=""/>
-              <a:tabLst>
-                <a:tab pos="0" algn="l"/>
-              </a:tabLst>
-            </a:pPr>
-            <a:endParaRPr lang="es-ES" sz="1800" b="0" strike="noStrike" spc="-1" dirty="0">
-              <a:solidFill>
-                <a:schemeClr val="tx1">
-                  <a:lumMod val="50000"/>
-                  <a:lumOff val="50000"/>
-                </a:schemeClr>
-              </a:solidFill>
-              <a:latin typeface="Arial"/>
-              <a:ea typeface="DejaVu Sans"/>
-            </a:endParaRPr>
-          </a:p>
-          <a:p>
-            <a:pPr marL="216720" lvl="1">
-              <a:lnSpc>
-                <a:spcPct val="100000"/>
-              </a:lnSpc>
-              <a:spcBef>
-                <a:spcPts val="1417"/>
-              </a:spcBef>
-              <a:buClr>
-                <a:srgbClr val="000000"/>
-              </a:buClr>
-              <a:buSzPct val="45000"/>
-              <a:tabLst>
-                <a:tab pos="0" algn="l"/>
-              </a:tabLst>
-            </a:pPr>
-            <a:endParaRPr lang="es-ES" sz="1800" b="0" strike="noStrike" spc="-1" dirty="0">
-              <a:solidFill>
-                <a:schemeClr val="tx1">
-                  <a:lumMod val="50000"/>
-                  <a:lumOff val="50000"/>
-                </a:schemeClr>
-              </a:solidFill>
-              <a:latin typeface="Arial"/>
-              <a:ea typeface="DejaVu Sans"/>
-            </a:endParaRPr>
-          </a:p>
-          <a:p>
-            <a:pPr marL="432000" lvl="1" indent="-215280">
-              <a:lnSpc>
-                <a:spcPct val="100000"/>
-              </a:lnSpc>
-              <a:spcBef>
-                <a:spcPts val="1417"/>
-              </a:spcBef>
-              <a:buClr>
-                <a:srgbClr val="000000"/>
-              </a:buClr>
-              <a:buSzPct val="45000"/>
-              <a:buFont typeface="Wingdings" charset="2"/>
-              <a:buChar char=""/>
-              <a:tabLst>
-                <a:tab pos="0" algn="l"/>
-              </a:tabLst>
-            </a:pPr>
-            <a:r>
-              <a:rPr lang="es-ES" spc="-1" dirty="0">
-                <a:solidFill>
-                  <a:schemeClr val="tx1">
-                    <a:lumMod val="50000"/>
-                    <a:lumOff val="50000"/>
-                  </a:schemeClr>
-                </a:solidFill>
-                <a:latin typeface="Arial"/>
-                <a:ea typeface="DejaVu Sans"/>
-              </a:rPr>
-              <a:t>Transfer </a:t>
-            </a:r>
-            <a:r>
-              <a:rPr lang="es-ES" spc="-1" dirty="0" err="1">
-                <a:solidFill>
-                  <a:schemeClr val="tx1">
-                    <a:lumMod val="50000"/>
-                    <a:lumOff val="50000"/>
-                  </a:schemeClr>
-                </a:solidFill>
-                <a:latin typeface="Arial"/>
-                <a:ea typeface="DejaVu Sans"/>
-              </a:rPr>
-              <a:t>Learning</a:t>
-            </a:r>
-            <a:r>
-              <a:rPr lang="es-ES" spc="-1" dirty="0">
-                <a:solidFill>
-                  <a:schemeClr val="tx1">
-                    <a:lumMod val="50000"/>
-                    <a:lumOff val="50000"/>
-                  </a:schemeClr>
-                </a:solidFill>
-                <a:latin typeface="Arial"/>
-                <a:ea typeface="DejaVu Sans"/>
-              </a:rPr>
-              <a:t>.</a:t>
-            </a:r>
-          </a:p>
-          <a:p>
-            <a:pPr marL="889200" lvl="2" indent="-215280">
-              <a:spcBef>
-                <a:spcPts val="1417"/>
-              </a:spcBef>
-              <a:buClr>
-                <a:srgbClr val="000000"/>
-              </a:buClr>
-              <a:buSzPct val="45000"/>
-              <a:buFont typeface="Wingdings" charset="2"/>
-              <a:buChar char=""/>
-              <a:tabLst>
-                <a:tab pos="0" algn="l"/>
-              </a:tabLst>
-            </a:pPr>
-            <a:r>
-              <a:rPr lang="es-ES" spc="-1" dirty="0">
-                <a:solidFill>
-                  <a:schemeClr val="tx1">
-                    <a:lumMod val="50000"/>
-                    <a:lumOff val="50000"/>
-                  </a:schemeClr>
-                </a:solidFill>
-                <a:latin typeface="Arial"/>
-                <a:ea typeface="DejaVu Sans"/>
-              </a:rPr>
-              <a:t>Utilizar modelo ya entrenado.</a:t>
-            </a:r>
-          </a:p>
-          <a:p>
-            <a:pPr marL="889200" lvl="2" indent="-215280">
-              <a:spcBef>
-                <a:spcPts val="1417"/>
-              </a:spcBef>
-              <a:buClr>
-                <a:srgbClr val="000000"/>
-              </a:buClr>
-              <a:buSzPct val="45000"/>
-              <a:buFont typeface="Wingdings" charset="2"/>
-              <a:buChar char=""/>
-              <a:tabLst>
-                <a:tab pos="0" algn="l"/>
-              </a:tabLst>
-            </a:pPr>
-            <a:r>
-              <a:rPr lang="es-ES" spc="-1" dirty="0">
-                <a:solidFill>
-                  <a:schemeClr val="tx1">
-                    <a:lumMod val="50000"/>
-                    <a:lumOff val="50000"/>
-                  </a:schemeClr>
-                </a:solidFill>
-                <a:latin typeface="Arial"/>
-                <a:ea typeface="DejaVu Sans"/>
-              </a:rPr>
-              <a:t>Reentrenar sólo las últimas capas.</a:t>
-            </a:r>
-          </a:p>
-          <a:p>
-            <a:pPr marL="889200" lvl="2" indent="-215280">
-              <a:spcBef>
-                <a:spcPts val="1417"/>
-              </a:spcBef>
-              <a:buClr>
-                <a:srgbClr val="000000"/>
-              </a:buClr>
-              <a:buSzPct val="45000"/>
-              <a:buFont typeface="Wingdings" charset="2"/>
-              <a:buChar char=""/>
-              <a:tabLst>
-                <a:tab pos="0" algn="l"/>
-              </a:tabLst>
-            </a:pPr>
-            <a:r>
-              <a:rPr lang="es-ES" spc="-1" dirty="0">
-                <a:solidFill>
-                  <a:schemeClr val="tx1">
-                    <a:lumMod val="50000"/>
-                    <a:lumOff val="50000"/>
-                  </a:schemeClr>
-                </a:solidFill>
-                <a:latin typeface="Arial"/>
-                <a:ea typeface="DejaVu Sans"/>
-              </a:rPr>
-              <a:t>Green AI</a:t>
-            </a:r>
-          </a:p>
-          <a:p>
-            <a:pPr marL="432000" lvl="1" indent="-215280">
-              <a:lnSpc>
-                <a:spcPct val="100000"/>
-              </a:lnSpc>
-              <a:spcBef>
-                <a:spcPts val="1417"/>
-              </a:spcBef>
-              <a:buClr>
-                <a:srgbClr val="000000"/>
-              </a:buClr>
-              <a:buSzPct val="45000"/>
-              <a:buFont typeface="Wingdings" charset="2"/>
-              <a:buChar char=""/>
-              <a:tabLst>
-                <a:tab pos="0" algn="l"/>
-              </a:tabLst>
-            </a:pPr>
-            <a:endParaRPr lang="es-ES" sz="1800" b="0" strike="noStrike" spc="-1" dirty="0">
-              <a:solidFill>
-                <a:schemeClr val="tx1">
-                  <a:lumMod val="50000"/>
-                  <a:lumOff val="50000"/>
-                </a:schemeClr>
-              </a:solidFill>
-              <a:latin typeface="Arial"/>
-              <a:ea typeface="DejaVu Sans"/>
-            </a:endParaRPr>
-          </a:p>
-          <a:p>
-            <a:pPr marL="432000" lvl="1" indent="-215280">
-              <a:lnSpc>
-                <a:spcPct val="100000"/>
-              </a:lnSpc>
-              <a:spcBef>
-                <a:spcPts val="1417"/>
-              </a:spcBef>
-              <a:buClr>
-                <a:srgbClr val="000000"/>
-              </a:buClr>
-              <a:buSzPct val="45000"/>
-              <a:buFont typeface="Wingdings" charset="2"/>
-              <a:buChar char=""/>
-              <a:tabLst>
-                <a:tab pos="0" algn="l"/>
-              </a:tabLst>
-            </a:pPr>
-            <a:endParaRPr lang="es-ES" spc="-1" dirty="0">
-              <a:solidFill>
-                <a:schemeClr val="tx1">
-                  <a:lumMod val="50000"/>
-                  <a:lumOff val="50000"/>
-                </a:schemeClr>
-              </a:solidFill>
-              <a:latin typeface="Arial"/>
-              <a:ea typeface="DejaVu Sans"/>
-            </a:endParaRPr>
-          </a:p>
-          <a:p>
-            <a:pPr marL="432000" lvl="1" indent="-215280">
-              <a:lnSpc>
-                <a:spcPct val="100000"/>
-              </a:lnSpc>
-              <a:spcBef>
-                <a:spcPts val="1417"/>
-              </a:spcBef>
-              <a:buClr>
-                <a:srgbClr val="000000"/>
-              </a:buClr>
-              <a:buSzPct val="45000"/>
-              <a:buFont typeface="Wingdings" charset="2"/>
-              <a:buChar char=""/>
-              <a:tabLst>
-                <a:tab pos="0" algn="l"/>
-              </a:tabLst>
-            </a:pPr>
-            <a:endParaRPr lang="es-ES" sz="1800" b="0" strike="noStrike" spc="-1" dirty="0">
-              <a:solidFill>
-                <a:schemeClr val="tx1">
-                  <a:lumMod val="50000"/>
-                  <a:lumOff val="50000"/>
-                </a:schemeClr>
-              </a:solidFill>
-              <a:latin typeface="Arial"/>
-              <a:ea typeface="DejaVu Sans"/>
-            </a:endParaRPr>
-          </a:p>
-          <a:p>
-            <a:pPr marL="432000" lvl="1" indent="-215280">
-              <a:lnSpc>
-                <a:spcPct val="100000"/>
-              </a:lnSpc>
-              <a:spcBef>
-                <a:spcPts val="1417"/>
-              </a:spcBef>
-              <a:buClr>
-                <a:srgbClr val="000000"/>
-              </a:buClr>
-              <a:buSzPct val="45000"/>
-              <a:buFont typeface="Wingdings" charset="2"/>
-              <a:buChar char=""/>
-              <a:tabLst>
-                <a:tab pos="0" algn="l"/>
-              </a:tabLst>
-            </a:pPr>
-            <a:endParaRPr lang="es-ES" spc="-1" dirty="0">
-              <a:solidFill>
-                <a:schemeClr val="tx1">
-                  <a:lumMod val="50000"/>
-                  <a:lumOff val="50000"/>
-                </a:schemeClr>
-              </a:solidFill>
-              <a:latin typeface="Arial"/>
-              <a:ea typeface="DejaVu Sans"/>
-            </a:endParaRPr>
-          </a:p>
-          <a:p>
-            <a:pPr marL="432000" lvl="1" indent="-215280">
-              <a:lnSpc>
-                <a:spcPct val="100000"/>
-              </a:lnSpc>
-              <a:spcBef>
-                <a:spcPts val="1417"/>
-              </a:spcBef>
-              <a:buClr>
-                <a:srgbClr val="000000"/>
-              </a:buClr>
-              <a:buSzPct val="45000"/>
-              <a:buFont typeface="Wingdings" charset="2"/>
-              <a:buChar char=""/>
-              <a:tabLst>
-                <a:tab pos="0" algn="l"/>
-              </a:tabLst>
-            </a:pPr>
-            <a:endParaRPr lang="es-ES" sz="1800" b="0" strike="noStrike" spc="-1" dirty="0">
-              <a:solidFill>
-                <a:schemeClr val="tx1">
-                  <a:lumMod val="50000"/>
-                  <a:lumOff val="50000"/>
-                </a:schemeClr>
-              </a:solidFill>
-              <a:latin typeface="Arial"/>
-              <a:ea typeface="DejaVu Sans"/>
-            </a:endParaRPr>
-          </a:p>
-          <a:p>
-            <a:pPr marL="432000" lvl="1" indent="-215280">
-              <a:lnSpc>
-                <a:spcPct val="100000"/>
-              </a:lnSpc>
-              <a:spcBef>
-                <a:spcPts val="1417"/>
-              </a:spcBef>
-              <a:buClr>
-                <a:srgbClr val="000000"/>
-              </a:buClr>
-              <a:buSzPct val="45000"/>
-              <a:buFont typeface="Wingdings" charset="2"/>
-              <a:buChar char=""/>
-              <a:tabLst>
-                <a:tab pos="0" algn="l"/>
-              </a:tabLst>
-            </a:pPr>
-            <a:endParaRPr lang="es-ES" spc="-1" dirty="0">
-              <a:solidFill>
-                <a:schemeClr val="tx1">
-                  <a:lumMod val="50000"/>
-                  <a:lumOff val="50000"/>
-                </a:schemeClr>
-              </a:solidFill>
-              <a:latin typeface="Arial"/>
-              <a:ea typeface="DejaVu Sans"/>
-            </a:endParaRPr>
-          </a:p>
-          <a:p>
-            <a:pPr marL="432000" lvl="1" indent="-215280">
-              <a:lnSpc>
-                <a:spcPct val="100000"/>
-              </a:lnSpc>
-              <a:spcBef>
-                <a:spcPts val="1417"/>
-              </a:spcBef>
-              <a:buClr>
-                <a:srgbClr val="000000"/>
-              </a:buClr>
-              <a:buSzPct val="45000"/>
-              <a:buFont typeface="Wingdings" charset="2"/>
-              <a:buChar char=""/>
-              <a:tabLst>
-                <a:tab pos="0" algn="l"/>
-              </a:tabLst>
-            </a:pPr>
-            <a:endParaRPr lang="es-ES" sz="1800" b="0" strike="noStrike" spc="-1" dirty="0">
-              <a:solidFill>
-                <a:schemeClr val="tx1">
-                  <a:lumMod val="50000"/>
-                  <a:lumOff val="50000"/>
-                </a:schemeClr>
-              </a:solidFill>
-              <a:latin typeface="Arial"/>
-              <a:ea typeface="DejaVu Sans"/>
-            </a:endParaRPr>
-          </a:p>
-          <a:p>
-            <a:pPr marL="432000" lvl="1" indent="-215280">
-              <a:lnSpc>
-                <a:spcPct val="100000"/>
-              </a:lnSpc>
-              <a:spcBef>
-                <a:spcPts val="1417"/>
-              </a:spcBef>
-              <a:buClr>
-                <a:srgbClr val="000000"/>
-              </a:buClr>
-              <a:buSzPct val="45000"/>
-              <a:buFont typeface="Wingdings" charset="2"/>
-              <a:buChar char=""/>
-              <a:tabLst>
-                <a:tab pos="0" algn="l"/>
-              </a:tabLst>
-            </a:pPr>
-            <a:endParaRPr lang="es-ES" spc="-1" dirty="0">
-              <a:solidFill>
-                <a:schemeClr val="tx1">
-                  <a:lumMod val="50000"/>
-                  <a:lumOff val="50000"/>
-                </a:schemeClr>
-              </a:solidFill>
-              <a:latin typeface="Arial"/>
-              <a:ea typeface="DejaVu Sans"/>
-            </a:endParaRPr>
-          </a:p>
-          <a:p>
-            <a:pPr marL="432000" lvl="1" indent="-215280">
-              <a:lnSpc>
-                <a:spcPct val="100000"/>
-              </a:lnSpc>
-              <a:spcBef>
-                <a:spcPts val="1417"/>
-              </a:spcBef>
-              <a:buClr>
-                <a:srgbClr val="000000"/>
-              </a:buClr>
-              <a:buSzPct val="45000"/>
-              <a:buFont typeface="Wingdings" charset="2"/>
-              <a:buChar char=""/>
-              <a:tabLst>
-                <a:tab pos="0" algn="l"/>
-              </a:tabLst>
-            </a:pPr>
-            <a:endParaRPr lang="es-ES" sz="1800" b="0" strike="noStrike" spc="-1" dirty="0">
-              <a:solidFill>
-                <a:schemeClr val="tx1">
-                  <a:lumMod val="50000"/>
-                  <a:lumOff val="50000"/>
-                </a:schemeClr>
-              </a:solidFill>
-              <a:latin typeface="Arial"/>
-              <a:ea typeface="DejaVu Sans"/>
-            </a:endParaRPr>
-          </a:p>
-          <a:p>
-            <a:pPr marL="432000" lvl="1" indent="-215280">
-              <a:lnSpc>
-                <a:spcPct val="100000"/>
-              </a:lnSpc>
-              <a:spcBef>
-                <a:spcPts val="1417"/>
-              </a:spcBef>
-              <a:buClr>
-                <a:srgbClr val="000000"/>
-              </a:buClr>
-              <a:buSzPct val="45000"/>
-              <a:buFont typeface="Wingdings" charset="2"/>
-              <a:buChar char=""/>
-              <a:tabLst>
-                <a:tab pos="0" algn="l"/>
-              </a:tabLst>
-            </a:pPr>
-            <a:endParaRPr lang="es-ES" spc="-1" dirty="0">
-              <a:solidFill>
-                <a:schemeClr val="tx1">
-                  <a:lumMod val="50000"/>
-                  <a:lumOff val="50000"/>
-                </a:schemeClr>
-              </a:solidFill>
-              <a:latin typeface="Arial"/>
-              <a:ea typeface="DejaVu Sans"/>
-            </a:endParaRPr>
-          </a:p>
-          <a:p>
-            <a:pPr marL="432000" lvl="1" indent="-215280">
-              <a:lnSpc>
-                <a:spcPct val="100000"/>
-              </a:lnSpc>
-              <a:spcBef>
-                <a:spcPts val="1417"/>
-              </a:spcBef>
-              <a:buClr>
-                <a:srgbClr val="000000"/>
-              </a:buClr>
-              <a:buSzPct val="45000"/>
-              <a:buFont typeface="Wingdings" charset="2"/>
-              <a:buChar char=""/>
-              <a:tabLst>
-                <a:tab pos="0" algn="l"/>
-              </a:tabLst>
-            </a:pPr>
-            <a:endParaRPr lang="es-ES" sz="1800" b="0" strike="noStrike" spc="-1" dirty="0">
-              <a:solidFill>
-                <a:schemeClr val="tx1">
-                  <a:lumMod val="50000"/>
-                  <a:lumOff val="50000"/>
-                </a:schemeClr>
-              </a:solidFill>
-              <a:latin typeface="Arial"/>
-              <a:ea typeface="DejaVu Sans"/>
-            </a:endParaRPr>
-          </a:p>
-          <a:p>
-            <a:pPr marL="432000" lvl="1" indent="-215280">
-              <a:lnSpc>
-                <a:spcPct val="100000"/>
-              </a:lnSpc>
-              <a:spcBef>
-                <a:spcPts val="1417"/>
-              </a:spcBef>
-              <a:buClr>
-                <a:srgbClr val="000000"/>
-              </a:buClr>
-              <a:buSzPct val="45000"/>
-              <a:buFont typeface="Wingdings" charset="2"/>
-              <a:buChar char=""/>
-              <a:tabLst>
-                <a:tab pos="0" algn="l"/>
-              </a:tabLst>
-            </a:pPr>
-            <a:endParaRPr lang="es-ES" spc="-1" dirty="0">
-              <a:solidFill>
-                <a:schemeClr val="tx1">
-                  <a:lumMod val="50000"/>
-                  <a:lumOff val="50000"/>
-                </a:schemeClr>
-              </a:solidFill>
-              <a:latin typeface="Arial"/>
-              <a:ea typeface="DejaVu Sans"/>
-            </a:endParaRPr>
-          </a:p>
-          <a:p>
-            <a:pPr marL="432000" lvl="1" indent="-215280">
-              <a:lnSpc>
-                <a:spcPct val="100000"/>
-              </a:lnSpc>
-              <a:spcBef>
-                <a:spcPts val="1417"/>
-              </a:spcBef>
-              <a:buClr>
-                <a:srgbClr val="000000"/>
-              </a:buClr>
-              <a:buSzPct val="45000"/>
-              <a:buFont typeface="Wingdings" charset="2"/>
-              <a:buChar char=""/>
-              <a:tabLst>
-                <a:tab pos="0" algn="l"/>
-              </a:tabLst>
-            </a:pPr>
-            <a:endParaRPr lang="es-ES" sz="1800" b="0" strike="noStrike" spc="-1" dirty="0">
-              <a:solidFill>
-                <a:schemeClr val="tx1">
-                  <a:lumMod val="50000"/>
-                  <a:lumOff val="50000"/>
-                </a:schemeClr>
-              </a:solidFill>
-              <a:latin typeface="Arial"/>
-              <a:ea typeface="DejaVu Sans"/>
-            </a:endParaRPr>
-          </a:p>
-          <a:p>
-            <a:pPr marL="432000" lvl="1" indent="-215280">
-              <a:lnSpc>
-                <a:spcPct val="100000"/>
-              </a:lnSpc>
-              <a:spcBef>
-                <a:spcPts val="1417"/>
-              </a:spcBef>
-              <a:buClr>
-                <a:srgbClr val="000000"/>
-              </a:buClr>
-              <a:buSzPct val="45000"/>
-              <a:buFont typeface="Wingdings" charset="2"/>
-              <a:buChar char=""/>
-              <a:tabLst>
-                <a:tab pos="0" algn="l"/>
-              </a:tabLst>
-            </a:pPr>
-            <a:endParaRPr lang="es-ES" spc="-1" dirty="0">
-              <a:solidFill>
-                <a:schemeClr val="tx1">
-                  <a:lumMod val="50000"/>
-                  <a:lumOff val="50000"/>
-                </a:schemeClr>
-              </a:solidFill>
-              <a:latin typeface="Arial"/>
-              <a:ea typeface="DejaVu Sans"/>
-            </a:endParaRPr>
-          </a:p>
-          <a:p>
-            <a:pPr marL="432000" lvl="1" indent="-215280">
-              <a:lnSpc>
-                <a:spcPct val="100000"/>
-              </a:lnSpc>
-              <a:spcBef>
-                <a:spcPts val="1417"/>
-              </a:spcBef>
-              <a:buClr>
-                <a:srgbClr val="000000"/>
-              </a:buClr>
-              <a:buSzPct val="45000"/>
-              <a:buFont typeface="Wingdings" charset="2"/>
-              <a:buChar char=""/>
-              <a:tabLst>
-                <a:tab pos="0" algn="l"/>
-              </a:tabLst>
-            </a:pPr>
-            <a:endParaRPr lang="es-ES" b="0" strike="noStrike" spc="-1" dirty="0">
-              <a:solidFill>
-                <a:schemeClr val="tx1">
-                  <a:lumMod val="50000"/>
-                  <a:lumOff val="50000"/>
-                </a:schemeClr>
-              </a:solidFill>
-              <a:latin typeface="Arial"/>
-              <a:ea typeface="DejaVu Sans"/>
-            </a:endParaRPr>
-          </a:p>
-          <a:p>
-            <a:pPr marL="432000" lvl="1" indent="-215280">
-              <a:lnSpc>
-                <a:spcPct val="100000"/>
-              </a:lnSpc>
-              <a:spcBef>
-                <a:spcPts val="1417"/>
-              </a:spcBef>
-              <a:buClr>
-                <a:srgbClr val="000000"/>
-              </a:buClr>
-              <a:buSzPct val="45000"/>
-              <a:buFont typeface="Wingdings" charset="2"/>
-              <a:buChar char=""/>
-              <a:tabLst>
-                <a:tab pos="0" algn="l"/>
-              </a:tabLst>
-            </a:pPr>
-            <a:endParaRPr lang="es-ES" spc="-1" dirty="0">
-              <a:solidFill>
-                <a:schemeClr val="tx1">
-                  <a:lumMod val="50000"/>
-                  <a:lumOff val="50000"/>
-                </a:schemeClr>
-              </a:solidFill>
-              <a:latin typeface="Arial"/>
-              <a:ea typeface="DejaVu Sans"/>
-            </a:endParaRPr>
-          </a:p>
-          <a:p>
-            <a:pPr marL="432000" lvl="1" indent="-215280">
-              <a:lnSpc>
-                <a:spcPct val="100000"/>
-              </a:lnSpc>
-              <a:spcBef>
-                <a:spcPts val="1417"/>
-              </a:spcBef>
-              <a:buClr>
-                <a:srgbClr val="000000"/>
-              </a:buClr>
-              <a:buSzPct val="45000"/>
-              <a:buFont typeface="Wingdings" charset="2"/>
-              <a:buChar char=""/>
-              <a:tabLst>
-                <a:tab pos="0" algn="l"/>
-              </a:tabLst>
-            </a:pPr>
-            <a:endParaRPr lang="es-ES" b="0" strike="noStrike" spc="-1" dirty="0">
-              <a:solidFill>
-                <a:schemeClr val="tx1">
-                  <a:lumMod val="50000"/>
-                  <a:lumOff val="50000"/>
-                </a:schemeClr>
-              </a:solidFill>
-              <a:latin typeface="Arial"/>
-              <a:ea typeface="DejaVu Sans"/>
-            </a:endParaRPr>
-          </a:p>
-          <a:p>
-            <a:pPr marL="432000" lvl="1" indent="-215280">
-              <a:lnSpc>
-                <a:spcPct val="100000"/>
-              </a:lnSpc>
-              <a:spcBef>
-                <a:spcPts val="1417"/>
-              </a:spcBef>
-              <a:buClr>
-                <a:srgbClr val="000000"/>
-              </a:buClr>
-              <a:buSzPct val="45000"/>
-              <a:buFont typeface="Wingdings" charset="2"/>
-              <a:buChar char=""/>
-              <a:tabLst>
-                <a:tab pos="0" algn="l"/>
-              </a:tabLst>
-            </a:pPr>
-            <a:endParaRPr lang="es-ES" spc="-1" dirty="0">
-              <a:solidFill>
-                <a:schemeClr val="tx1">
-                  <a:lumMod val="50000"/>
-                  <a:lumOff val="50000"/>
-                </a:schemeClr>
-              </a:solidFill>
-              <a:latin typeface="Arial"/>
-              <a:ea typeface="DejaVu Sans"/>
-            </a:endParaRPr>
-          </a:p>
-          <a:p>
-            <a:pPr marL="432000" lvl="1" indent="-215280">
-              <a:lnSpc>
-                <a:spcPct val="100000"/>
-              </a:lnSpc>
-              <a:spcBef>
-                <a:spcPts val="1417"/>
-              </a:spcBef>
-              <a:buClr>
-                <a:srgbClr val="000000"/>
-              </a:buClr>
-              <a:buSzPct val="45000"/>
-              <a:buFont typeface="Wingdings" charset="2"/>
-              <a:buChar char=""/>
-              <a:tabLst>
-                <a:tab pos="0" algn="l"/>
-              </a:tabLst>
-            </a:pPr>
-            <a:endParaRPr lang="es-ES" b="0" strike="noStrike" spc="-1" dirty="0">
-              <a:solidFill>
-                <a:schemeClr val="tx1">
-                  <a:lumMod val="50000"/>
-                  <a:lumOff val="50000"/>
-                </a:schemeClr>
-              </a:solidFill>
-              <a:latin typeface="Arial"/>
-              <a:ea typeface="DejaVu Sans"/>
-            </a:endParaRPr>
-          </a:p>
-        </p:txBody>
-      </p:sp>
-      <p:sp>
-        <p:nvSpPr>
-          <p:cNvPr id="699" name="CustomShape 6"/>
+          <p:cNvPr id="699" name="CustomShape 6">
+            <a:extLst>
+              <a:ext uri="{FF2B5EF4-FFF2-40B4-BE49-F238E27FC236}">
+                <a16:creationId xmlns:a16="http://schemas.microsoft.com/office/drawing/2014/main" id="{15253838-3D5E-925E-F894-5632D38CCD41}"/>
+              </a:ext>
+            </a:extLst>
+          </p:cNvPr>
           <p:cNvSpPr/>
           <p:nvPr/>
         </p:nvSpPr>
@@ -29216,7 +28275,7 @@
           <p:cNvPr id="8" name="Grupo 7">
             <a:extLst>
               <a:ext uri="{FF2B5EF4-FFF2-40B4-BE49-F238E27FC236}">
-                <a16:creationId xmlns:a16="http://schemas.microsoft.com/office/drawing/2014/main" id="{ABCAC95C-F138-B542-1F14-9680B3D7C6F8}"/>
+                <a16:creationId xmlns:a16="http://schemas.microsoft.com/office/drawing/2014/main" id="{86F23420-954B-4E5D-6486-679349833156}"/>
               </a:ext>
             </a:extLst>
           </p:cNvPr>
@@ -29236,7 +28295,7 @@
             <p:cNvPr id="9" name="CustomShape 4">
               <a:extLst>
                 <a:ext uri="{FF2B5EF4-FFF2-40B4-BE49-F238E27FC236}">
-                  <a16:creationId xmlns:a16="http://schemas.microsoft.com/office/drawing/2014/main" id="{98BF936F-15A7-E31C-DE8D-55EF9C65F00A}"/>
+                  <a16:creationId xmlns:a16="http://schemas.microsoft.com/office/drawing/2014/main" id="{62688B5F-6AED-B924-1602-A19EB274C2E7}"/>
                 </a:ext>
               </a:extLst>
             </p:cNvPr>
@@ -29285,7 +28344,7 @@
             <p:cNvPr id="10" name="CustomShape 5">
               <a:extLst>
                 <a:ext uri="{FF2B5EF4-FFF2-40B4-BE49-F238E27FC236}">
-                  <a16:creationId xmlns:a16="http://schemas.microsoft.com/office/drawing/2014/main" id="{1A6ED7BD-1333-8801-C334-784CFCE2BE92}"/>
+                  <a16:creationId xmlns:a16="http://schemas.microsoft.com/office/drawing/2014/main" id="{4B7A3D3E-6858-9D0F-4E05-0E9723A86992}"/>
                 </a:ext>
               </a:extLst>
             </p:cNvPr>
@@ -29334,7 +28393,7 @@
             <p:cNvPr id="11" name="CustomShape 6">
               <a:extLst>
                 <a:ext uri="{FF2B5EF4-FFF2-40B4-BE49-F238E27FC236}">
-                  <a16:creationId xmlns:a16="http://schemas.microsoft.com/office/drawing/2014/main" id="{EECD21E2-0C0F-4D55-1EBA-CF1297CDD434}"/>
+                  <a16:creationId xmlns:a16="http://schemas.microsoft.com/office/drawing/2014/main" id="{2A53DD25-1461-0E98-8233-890EAF6F7E12}"/>
                 </a:ext>
               </a:extLst>
             </p:cNvPr>
@@ -29402,10 +28461,10 @@
       </p:grpSp>
       <p:pic>
         <p:nvPicPr>
-          <p:cNvPr id="5122" name="Picture 2" descr="AI Starter- Build your first Convolution neural network in Keras from  scratch to perform multi-class classification | by Pallawi | Medium">
+          <p:cNvPr id="3074" name="Picture 2" descr="Transfer learning. Transfer learning is process of taking pretrained model (usually trained on large dataset, such as ImageNet) and &quot;fine-tuning&quot; model with new dataset. Fully connected layers, with or without parts of kernels of convolutional layers of pre-trained model are replaced with new set and are trained with dataset of new task.">
             <a:extLst>
               <a:ext uri="{FF2B5EF4-FFF2-40B4-BE49-F238E27FC236}">
-                <a16:creationId xmlns:a16="http://schemas.microsoft.com/office/drawing/2014/main" id="{E7AC3B85-156A-E645-11F6-2B12B60131A8}"/>
+                <a16:creationId xmlns:a16="http://schemas.microsoft.com/office/drawing/2014/main" id="{050B0619-0B68-EDC9-8AC8-393DA846C311}"/>
               </a:ext>
             </a:extLst>
           </p:cNvPr>
@@ -29429,8 +28488,8 @@
         </p:blipFill>
         <p:spPr bwMode="auto">
           <a:xfrm>
-            <a:off x="540000" y="2108981"/>
-            <a:ext cx="8230563" cy="1907948"/>
+            <a:off x="5107459" y="2727462"/>
+            <a:ext cx="3937687" cy="2712307"/>
           </a:xfrm>
           <a:prstGeom prst="rect">
             <a:avLst/>
@@ -29447,10 +28506,290 @@
           </a:extLst>
         </p:spPr>
       </p:pic>
+      <p:pic>
+        <p:nvPicPr>
+          <p:cNvPr id="2" name="Picture 2" descr="AI Starter- Build your first Convolution neural network in Keras from  scratch to perform multi-class classification | by Pallawi | Medium">
+            <a:extLst>
+              <a:ext uri="{FF2B5EF4-FFF2-40B4-BE49-F238E27FC236}">
+                <a16:creationId xmlns:a16="http://schemas.microsoft.com/office/drawing/2014/main" id="{002DCAA0-E1A7-1074-2145-882A795E5EF2}"/>
+              </a:ext>
+            </a:extLst>
+          </p:cNvPr>
+          <p:cNvPicPr>
+            <a:picLocks noChangeAspect="1" noChangeArrowheads="1"/>
+          </p:cNvPicPr>
+          <p:nvPr/>
+        </p:nvPicPr>
+        <p:blipFill>
+          <a:blip r:embed="rId3">
+            <a:extLst>
+              <a:ext uri="{28A0092B-C50C-407E-A947-70E740481C1C}">
+                <a14:useLocalDpi xmlns:a14="http://schemas.microsoft.com/office/drawing/2010/main" val="0"/>
+              </a:ext>
+            </a:extLst>
+          </a:blip>
+          <a:srcRect/>
+          <a:stretch>
+            <a:fillRect/>
+          </a:stretch>
+        </p:blipFill>
+        <p:spPr bwMode="auto">
+          <a:xfrm>
+            <a:off x="634891" y="1090073"/>
+            <a:ext cx="7281672" cy="1687983"/>
+          </a:xfrm>
+          <a:prstGeom prst="rect">
+            <a:avLst/>
+          </a:prstGeom>
+          <a:noFill/>
+          <a:extLst>
+            <a:ext uri="{909E8E84-426E-40DD-AFC4-6F175D3DCCD1}">
+              <a14:hiddenFill xmlns:a14="http://schemas.microsoft.com/office/drawing/2010/main">
+                <a:solidFill>
+                  <a:srgbClr val="FFFFFF"/>
+                </a:solidFill>
+              </a14:hiddenFill>
+            </a:ext>
+          </a:extLst>
+        </p:spPr>
+      </p:pic>
+      <p:sp>
+        <p:nvSpPr>
+          <p:cNvPr id="3" name="CustomShape 1">
+            <a:extLst>
+              <a:ext uri="{FF2B5EF4-FFF2-40B4-BE49-F238E27FC236}">
+                <a16:creationId xmlns:a16="http://schemas.microsoft.com/office/drawing/2014/main" id="{18E0474A-632F-E913-1E2C-C0DD45A10C79}"/>
+              </a:ext>
+            </a:extLst>
+          </p:cNvPr>
+          <p:cNvSpPr/>
+          <p:nvPr/>
+        </p:nvSpPr>
+        <p:spPr>
+          <a:xfrm>
+            <a:off x="634891" y="3133380"/>
+            <a:ext cx="4027725" cy="2306389"/>
+          </a:xfrm>
+          <a:prstGeom prst="rect">
+            <a:avLst/>
+          </a:prstGeom>
+          <a:noFill/>
+          <a:ln>
+            <a:noFill/>
+          </a:ln>
+        </p:spPr>
+        <p:style>
+          <a:lnRef idx="0">
+            <a:scrgbClr r="0" g="0" b="0"/>
+          </a:lnRef>
+          <a:fillRef idx="0">
+            <a:scrgbClr r="0" g="0" b="0"/>
+          </a:fillRef>
+          <a:effectRef idx="0">
+            <a:scrgbClr r="0" g="0" b="0"/>
+          </a:effectRef>
+          <a:fontRef idx="minor"/>
+        </p:style>
+        <p:txBody>
+          <a:bodyPr lIns="0" tIns="0" rIns="0" bIns="0">
+            <a:normAutofit fontScale="98500"/>
+          </a:bodyPr>
+          <a:lstStyle/>
+          <a:p>
+            <a:pPr marL="432000" indent="-317520">
+              <a:lnSpc>
+                <a:spcPct val="100000"/>
+              </a:lnSpc>
+              <a:spcBef>
+                <a:spcPts val="1417"/>
+              </a:spcBef>
+              <a:buClr>
+                <a:srgbClr val="0098CD"/>
+              </a:buClr>
+              <a:buFont typeface="Wingdings" charset="2"/>
+              <a:buChar char=""/>
+              <a:tabLst>
+                <a:tab pos="0" algn="l"/>
+              </a:tabLst>
+            </a:pPr>
+            <a:r>
+              <a:rPr lang="es-ES" sz="2200" b="0" strike="noStrike" spc="-1" dirty="0">
+                <a:solidFill>
+                  <a:srgbClr val="000000"/>
+                </a:solidFill>
+                <a:latin typeface="Arial"/>
+                <a:ea typeface="DejaVu Sans"/>
+              </a:rPr>
+              <a:t>Transfer </a:t>
+            </a:r>
+            <a:r>
+              <a:rPr lang="es-ES" sz="2200" b="0" strike="noStrike" spc="-1" dirty="0" err="1">
+                <a:solidFill>
+                  <a:srgbClr val="000000"/>
+                </a:solidFill>
+                <a:latin typeface="Arial"/>
+                <a:ea typeface="DejaVu Sans"/>
+              </a:rPr>
+              <a:t>Learning</a:t>
+            </a:r>
+            <a:endParaRPr lang="es-ES" sz="2200" b="0" strike="noStrike" spc="-1" dirty="0">
+              <a:solidFill>
+                <a:srgbClr val="000000"/>
+              </a:solidFill>
+              <a:latin typeface="Arial"/>
+              <a:ea typeface="DejaVu Sans"/>
+            </a:endParaRPr>
+          </a:p>
+          <a:p>
+            <a:pPr marL="889200" lvl="2" indent="-215280">
+              <a:spcBef>
+                <a:spcPts val="1417"/>
+              </a:spcBef>
+              <a:buClr>
+                <a:srgbClr val="000000"/>
+              </a:buClr>
+              <a:buSzPct val="45000"/>
+              <a:buFont typeface="Wingdings" charset="2"/>
+              <a:buChar char=""/>
+              <a:tabLst>
+                <a:tab pos="0" algn="l"/>
+              </a:tabLst>
+            </a:pPr>
+            <a:r>
+              <a:rPr lang="es-ES" sz="1600" spc="-1" dirty="0">
+                <a:solidFill>
+                  <a:schemeClr val="tx1">
+                    <a:lumMod val="50000"/>
+                    <a:lumOff val="50000"/>
+                  </a:schemeClr>
+                </a:solidFill>
+                <a:latin typeface="Arial"/>
+                <a:ea typeface="DejaVu Sans"/>
+              </a:rPr>
+              <a:t>Utilizar modelo ya entrenado.</a:t>
+            </a:r>
+          </a:p>
+          <a:p>
+            <a:pPr marL="889200" lvl="2" indent="-215280">
+              <a:spcBef>
+                <a:spcPts val="1417"/>
+              </a:spcBef>
+              <a:buClr>
+                <a:srgbClr val="000000"/>
+              </a:buClr>
+              <a:buSzPct val="45000"/>
+              <a:buFont typeface="Wingdings" charset="2"/>
+              <a:buChar char=""/>
+              <a:tabLst>
+                <a:tab pos="0" algn="l"/>
+              </a:tabLst>
+            </a:pPr>
+            <a:r>
+              <a:rPr lang="es-ES" sz="1600" spc="-1" dirty="0">
+                <a:solidFill>
+                  <a:schemeClr val="tx1">
+                    <a:lumMod val="50000"/>
+                    <a:lumOff val="50000"/>
+                  </a:schemeClr>
+                </a:solidFill>
+                <a:latin typeface="Arial"/>
+                <a:ea typeface="DejaVu Sans"/>
+              </a:rPr>
+              <a:t>Reentrenar sólo las últimas capas.</a:t>
+            </a:r>
+          </a:p>
+          <a:p>
+            <a:pPr marL="889200" lvl="2" indent="-215280">
+              <a:spcBef>
+                <a:spcPts val="1417"/>
+              </a:spcBef>
+              <a:buClr>
+                <a:srgbClr val="000000"/>
+              </a:buClr>
+              <a:buSzPct val="45000"/>
+              <a:buFont typeface="Wingdings" charset="2"/>
+              <a:buChar char=""/>
+              <a:tabLst>
+                <a:tab pos="0" algn="l"/>
+              </a:tabLst>
+            </a:pPr>
+            <a:r>
+              <a:rPr lang="es-ES" sz="1600" spc="-1" dirty="0">
+                <a:solidFill>
+                  <a:schemeClr val="tx1">
+                    <a:lumMod val="50000"/>
+                    <a:lumOff val="50000"/>
+                  </a:schemeClr>
+                </a:solidFill>
+                <a:latin typeface="Arial"/>
+                <a:ea typeface="DejaVu Sans"/>
+              </a:rPr>
+              <a:t>Green AI</a:t>
+            </a:r>
+          </a:p>
+          <a:p>
+            <a:pPr marL="114480">
+              <a:lnSpc>
+                <a:spcPct val="100000"/>
+              </a:lnSpc>
+              <a:spcBef>
+                <a:spcPts val="1417"/>
+              </a:spcBef>
+              <a:buClr>
+                <a:srgbClr val="0098CD"/>
+              </a:buClr>
+              <a:tabLst>
+                <a:tab pos="0" algn="l"/>
+              </a:tabLst>
+            </a:pPr>
+            <a:endParaRPr lang="es-ES" sz="2200" spc="-1" dirty="0">
+              <a:latin typeface="Arial"/>
+            </a:endParaRPr>
+          </a:p>
+          <a:p>
+            <a:pPr marL="559620" lvl="1" indent="-342900">
+              <a:spcBef>
+                <a:spcPts val="1417"/>
+              </a:spcBef>
+              <a:buClr>
+                <a:schemeClr val="accent1"/>
+              </a:buClr>
+              <a:buSzPct val="160000"/>
+              <a:buFont typeface="Arial" panose="020B0604020202020204" pitchFamily="34" charset="0"/>
+              <a:buChar char="■"/>
+              <a:tabLst>
+                <a:tab pos="0" algn="l"/>
+              </a:tabLst>
+            </a:pPr>
+            <a:endParaRPr lang="es-ES" sz="2200" spc="-1" dirty="0">
+              <a:latin typeface="Arial"/>
+            </a:endParaRPr>
+          </a:p>
+          <a:p>
+            <a:pPr marL="1016820" lvl="2" indent="-342900">
+              <a:spcBef>
+                <a:spcPts val="1417"/>
+              </a:spcBef>
+              <a:buClr>
+                <a:schemeClr val="accent1"/>
+              </a:buClr>
+              <a:buSzPct val="160000"/>
+              <a:buFont typeface="Arial" panose="020B0604020202020204" pitchFamily="34" charset="0"/>
+              <a:buChar char="■"/>
+              <a:tabLst>
+                <a:tab pos="0" algn="l"/>
+              </a:tabLst>
+            </a:pPr>
+            <a:endParaRPr lang="es-ES" sz="2200" b="0" strike="noStrike" spc="-1" dirty="0">
+              <a:latin typeface="Arial"/>
+            </a:endParaRPr>
+          </a:p>
+        </p:txBody>
+      </p:sp>
     </p:spTree>
     <p:extLst>
       <p:ext uri="{BB962C8B-B14F-4D97-AF65-F5344CB8AC3E}">
-        <p14:creationId xmlns:p14="http://schemas.microsoft.com/office/powerpoint/2010/main" val="2990606957"/>
+        <p14:creationId xmlns:p14="http://schemas.microsoft.com/office/powerpoint/2010/main" val="861588797"/>
       </p:ext>
     </p:extLst>
   </p:cSld>
